--- a/translations/en-us/RobotGame/LineFollowing.pptx
+++ b/translations/en-us/RobotGame/LineFollowing.pptx
@@ -224,7 +224,7 @@
           <a:p>
             <a:fld id="{E354B44E-40A3-0E46-B16A-9BF1250A248B}" type="datetimeFigureOut">
               <a:rPr lang="en-US" smtClean="0"/>
-              <a:t>10/27/22</a:t>
+              <a:t>5/29/23</a:t>
             </a:fld>
             <a:endParaRPr lang="en-US"/>
           </a:p>
@@ -390,7 +390,7 @@
           <a:p>
             <a:fld id="{C86AD16C-2DB4-6642-BAD4-9ED973A087A0}" type="datetimeFigureOut">
               <a:rPr lang="en-US" smtClean="0"/>
-              <a:t>10/27/22</a:t>
+              <a:t>5/29/23</a:t>
             </a:fld>
             <a:endParaRPr lang="en-US"/>
           </a:p>
@@ -1017,9 +1017,9 @@
           <a:bodyPr/>
           <a:lstStyle/>
           <a:p>
-            <a:fld id="{2E4527E8-5BB2-1C48-964E-BAE096180D93}" type="datetime1">
+            <a:fld id="{C555B7AA-60CA-1C41-A949-202FE832A4B4}" type="datetime1">
               <a:rPr lang="en-US" smtClean="0"/>
-              <a:t>10/27/22</a:t>
+              <a:t>5/29/23</a:t>
             </a:fld>
             <a:endParaRPr lang="en-US"/>
           </a:p>
@@ -1042,7 +1042,7 @@
           <a:p>
             <a:r>
               <a:rPr lang="en-US"/>
-              <a:t>© 2022, FLL Tutorials</a:t>
+              <a:t>© 2023, FLLTutorials.com. Last edit 5/29/2023</a:t>
             </a:r>
           </a:p>
         </p:txBody>
@@ -1613,9 +1613,9 @@
           <a:bodyPr/>
           <a:lstStyle/>
           <a:p>
-            <a:fld id="{8FA2B386-26A4-7346-A101-925697B38006}" type="datetime1">
+            <a:fld id="{E3E54442-5AE1-FC4D-8583-AFCAD0E2AEA1}" type="datetime1">
               <a:rPr lang="en-US" smtClean="0"/>
-              <a:t>10/27/22</a:t>
+              <a:t>5/29/23</a:t>
             </a:fld>
             <a:endParaRPr lang="en-US"/>
           </a:p>
@@ -1638,7 +1638,7 @@
           <a:p>
             <a:r>
               <a:rPr lang="en-US"/>
-              <a:t>© 2022, FLL Tutorials</a:t>
+              <a:t>© 2023, FLLTutorials.com. Last edit 5/29/2023</a:t>
             </a:r>
           </a:p>
         </p:txBody>
@@ -1794,9 +1794,9 @@
           <a:bodyPr/>
           <a:lstStyle/>
           <a:p>
-            <a:fld id="{07E2ADDA-17B3-5446-A7BB-6758F0C9EAD7}" type="datetime1">
+            <a:fld id="{5D51128D-E78E-EB4A-86BA-EDDB9129E239}" type="datetime1">
               <a:rPr lang="en-US" smtClean="0"/>
-              <a:t>10/27/22</a:t>
+              <a:t>5/29/23</a:t>
             </a:fld>
             <a:endParaRPr lang="en-US"/>
           </a:p>
@@ -1819,7 +1819,7 @@
           <a:p>
             <a:r>
               <a:rPr lang="en-US"/>
-              <a:t>© 2022, FLL Tutorials</a:t>
+              <a:t>© 2023, FLLTutorials.com. Last edit 5/29/2023</a:t>
             </a:r>
           </a:p>
         </p:txBody>
@@ -2010,9 +2010,9 @@
           <a:bodyPr/>
           <a:lstStyle/>
           <a:p>
-            <a:fld id="{1F5F7A85-2E48-6B48-86DD-7F12D25A29A1}" type="datetime1">
+            <a:fld id="{D17C5B3E-AE56-F44C-A3C0-94F63C4EE2DD}" type="datetime1">
               <a:rPr lang="en-US" smtClean="0"/>
-              <a:t>10/27/22</a:t>
+              <a:t>5/29/23</a:t>
             </a:fld>
             <a:endParaRPr lang="en-US"/>
           </a:p>
@@ -2040,7 +2040,7 @@
           <a:p>
             <a:r>
               <a:rPr lang="en-US"/>
-              <a:t>© 2022, FLL Tutorials</a:t>
+              <a:t>© 2023, FLLTutorials.com. Last edit 5/29/2023</a:t>
             </a:r>
           </a:p>
         </p:txBody>
@@ -2230,7 +2230,7 @@
           <a:noFill/>
           <a:extLst>
             <a:ext uri="{909E8E84-426E-40dd-AFC4-6F175D3DCCD1}">
-              <a14:hiddenFill xmlns="" xmlns:a14="http://schemas.microsoft.com/office/drawing/2010/main">
+              <a14:hiddenFill xmlns:a14="http://schemas.microsoft.com/office/drawing/2010/main" xmlns="">
                 <a:solidFill>
                   <a:srgbClr val="FFFFFF"/>
                 </a:solidFill>
@@ -2854,9 +2854,9 @@
           <a:bodyPr/>
           <a:lstStyle/>
           <a:p>
-            <a:fld id="{152947D7-AD44-BC4B-9C5F-8C45C34C62C0}" type="datetime1">
+            <a:fld id="{08B914A7-C27A-A04E-9E10-B079F8E8C3B9}" type="datetime1">
               <a:rPr lang="en-US" smtClean="0"/>
-              <a:t>10/27/22</a:t>
+              <a:t>5/29/23</a:t>
             </a:fld>
             <a:endParaRPr lang="en-US"/>
           </a:p>
@@ -2879,7 +2879,7 @@
           <a:p>
             <a:r>
               <a:rPr lang="en-US"/>
-              <a:t>© 2022, FLL Tutorials</a:t>
+              <a:t>© 2023, FLLTutorials.com. Last edit 5/29/2023</a:t>
             </a:r>
           </a:p>
         </p:txBody>
@@ -3119,9 +3119,9 @@
           <a:bodyPr/>
           <a:lstStyle/>
           <a:p>
-            <a:fld id="{7DE3824B-1B0D-8348-87FE-E1E3DE22DE64}" type="datetime1">
+            <a:fld id="{DFFD3BA6-373E-C245-9092-5A6973989D5D}" type="datetime1">
               <a:rPr lang="en-US" smtClean="0"/>
-              <a:t>10/27/22</a:t>
+              <a:t>5/29/23</a:t>
             </a:fld>
             <a:endParaRPr lang="en-US"/>
           </a:p>
@@ -3175,7 +3175,7 @@
           <a:p>
             <a:r>
               <a:rPr lang="en-US"/>
-              <a:t>© 2022, FLL Tutorials</a:t>
+              <a:t>© 2023, FLLTutorials.com. Last edit 5/29/2023</a:t>
             </a:r>
           </a:p>
         </p:txBody>
@@ -3422,9 +3422,9 @@
           <a:bodyPr/>
           <a:lstStyle/>
           <a:p>
-            <a:fld id="{7BEECC0E-5BF1-834E-852A-E819838BDC10}" type="datetime1">
+            <a:fld id="{879E44F6-721F-5142-8733-ABFC15CBC786}" type="datetime1">
               <a:rPr lang="en-US" smtClean="0"/>
-              <a:t>10/27/22</a:t>
+              <a:t>5/29/23</a:t>
             </a:fld>
             <a:endParaRPr lang="en-US"/>
           </a:p>
@@ -3447,7 +3447,7 @@
           <a:p>
             <a:r>
               <a:rPr lang="en-US"/>
-              <a:t>© 2022, FLL Tutorials</a:t>
+              <a:t>© 2023, FLLTutorials.com. Last edit 5/29/2023</a:t>
             </a:r>
           </a:p>
         </p:txBody>
@@ -3876,9 +3876,9 @@
           <a:bodyPr/>
           <a:lstStyle/>
           <a:p>
-            <a:fld id="{C859EC23-B9B5-6B4B-AFD7-67B0F28CCCCB}" type="datetime1">
+            <a:fld id="{F9F6F05E-D023-684E-8544-675A2094A86C}" type="datetime1">
               <a:rPr lang="en-US" smtClean="0"/>
-              <a:t>10/27/22</a:t>
+              <a:t>5/29/23</a:t>
             </a:fld>
             <a:endParaRPr lang="en-US"/>
           </a:p>
@@ -3901,7 +3901,7 @@
           <a:p>
             <a:r>
               <a:rPr lang="en-US"/>
-              <a:t>© 2022, FLL Tutorials</a:t>
+              <a:t>© 2023, FLLTutorials.com. Last edit 5/29/2023</a:t>
             </a:r>
           </a:p>
         </p:txBody>
@@ -4004,9 +4004,9 @@
           <a:bodyPr/>
           <a:lstStyle/>
           <a:p>
-            <a:fld id="{CA6C0BA4-2D50-7044-B5B3-92E182852D45}" type="datetime1">
+            <a:fld id="{E3F80B4A-7A39-B04B-853E-9F5C6FD9993E}" type="datetime1">
               <a:rPr lang="en-US" smtClean="0"/>
-              <a:t>10/27/22</a:t>
+              <a:t>5/29/23</a:t>
             </a:fld>
             <a:endParaRPr lang="en-US"/>
           </a:p>
@@ -4029,7 +4029,7 @@
           <a:p>
             <a:r>
               <a:rPr lang="en-US"/>
-              <a:t>© 2022, FLL Tutorials</a:t>
+              <a:t>© 2023, FLLTutorials.com. Last edit 5/29/2023</a:t>
             </a:r>
           </a:p>
         </p:txBody>
@@ -4110,9 +4110,9 @@
           <a:bodyPr/>
           <a:lstStyle/>
           <a:p>
-            <a:fld id="{1E5F663D-DE75-4E47-A419-9BBD3C4F5E90}" type="datetime1">
+            <a:fld id="{13624B18-D0EE-C242-B234-7DC8BB37749A}" type="datetime1">
               <a:rPr lang="en-US" smtClean="0"/>
-              <a:t>10/27/22</a:t>
+              <a:t>5/29/23</a:t>
             </a:fld>
             <a:endParaRPr lang="en-US"/>
           </a:p>
@@ -4135,7 +4135,7 @@
           <a:p>
             <a:r>
               <a:rPr lang="en-US"/>
-              <a:t>© 2022, FLL Tutorials</a:t>
+              <a:t>© 2023, FLLTutorials.com. Last edit 5/29/2023</a:t>
             </a:r>
           </a:p>
         </p:txBody>
@@ -4368,9 +4368,9 @@
           <a:bodyPr/>
           <a:lstStyle/>
           <a:p>
-            <a:fld id="{D9034E7B-C332-764E-8F23-4288C644761C}" type="datetime1">
+            <a:fld id="{90E5123D-B1DC-9944-88C2-20CF41203DC7}" type="datetime1">
               <a:rPr lang="en-US" smtClean="0"/>
-              <a:t>10/27/22</a:t>
+              <a:t>5/29/23</a:t>
             </a:fld>
             <a:endParaRPr lang="en-US"/>
           </a:p>
@@ -4393,7 +4393,7 @@
           <a:p>
             <a:r>
               <a:rPr lang="en-US"/>
-              <a:t>© 2022, FLL Tutorials</a:t>
+              <a:t>© 2023, FLLTutorials.com. Last edit 5/29/2023</a:t>
             </a:r>
           </a:p>
         </p:txBody>
@@ -4580,9 +4580,9 @@
           <a:bodyPr/>
           <a:lstStyle/>
           <a:p>
-            <a:fld id="{C06FF4E3-626E-F542-A999-12E3F62EA46E}" type="datetime1">
+            <a:fld id="{F7EE7353-76F1-1141-83C8-0289C741C4DC}" type="datetime1">
               <a:rPr lang="en-US" smtClean="0"/>
-              <a:t>10/27/22</a:t>
+              <a:t>5/29/23</a:t>
             </a:fld>
             <a:endParaRPr lang="en-US"/>
           </a:p>
@@ -4605,7 +4605,7 @@
           <a:p>
             <a:r>
               <a:rPr lang="en-US"/>
-              <a:t>© 2022, FLL Tutorials</a:t>
+              <a:t>© 2023, FLLTutorials.com. Last edit 5/29/2023</a:t>
             </a:r>
           </a:p>
         </p:txBody>
@@ -4863,9 +4863,9 @@
           <a:bodyPr/>
           <a:lstStyle/>
           <a:p>
-            <a:fld id="{7E36FD46-846C-E54E-82A3-9A098E674ECA}" type="datetime1">
+            <a:fld id="{B23CECF3-6293-3B4E-BA1C-810DDB8C6E56}" type="datetime1">
               <a:rPr lang="en-US" smtClean="0"/>
-              <a:t>10/27/22</a:t>
+              <a:t>5/29/23</a:t>
             </a:fld>
             <a:endParaRPr lang="en-US"/>
           </a:p>
@@ -4888,7 +4888,7 @@
           <a:p>
             <a:r>
               <a:rPr lang="en-US"/>
-              <a:t>© 2022, FLL Tutorials</a:t>
+              <a:t>© 2023, FLLTutorials.com. Last edit 5/29/2023</a:t>
             </a:r>
           </a:p>
         </p:txBody>
@@ -5130,9 +5130,9 @@
           <a:bodyPr/>
           <a:lstStyle/>
           <a:p>
-            <a:fld id="{4E1B7775-31CB-434E-A2D2-0B45799C95D4}" type="datetime1">
+            <a:fld id="{E5D71BDF-9D5A-934B-A26A-BBAC294BA116}" type="datetime1">
               <a:rPr lang="en-US" smtClean="0"/>
-              <a:t>10/27/22</a:t>
+              <a:t>5/29/23</a:t>
             </a:fld>
             <a:endParaRPr lang="en-US"/>
           </a:p>
@@ -5155,7 +5155,7 @@
           <a:p>
             <a:r>
               <a:rPr lang="en-US"/>
-              <a:t>© 2022, FLL Tutorials</a:t>
+              <a:t>© 2023, FLLTutorials.com. Last edit 5/29/2023</a:t>
             </a:r>
           </a:p>
         </p:txBody>
@@ -5319,9 +5319,9 @@
           <a:bodyPr/>
           <a:lstStyle/>
           <a:p>
-            <a:fld id="{862885E8-C38A-B747-9696-DA18CB17DEDD}" type="datetime1">
+            <a:fld id="{F1890B15-D88E-8246-820E-B911C0639A4B}" type="datetime1">
               <a:rPr lang="en-US" smtClean="0"/>
-              <a:t>10/27/22</a:t>
+              <a:t>5/29/23</a:t>
             </a:fld>
             <a:endParaRPr lang="en-US"/>
           </a:p>
@@ -5344,7 +5344,7 @@
           <a:p>
             <a:r>
               <a:rPr lang="en-US"/>
-              <a:t>© 2022, FLL Tutorials</a:t>
+              <a:t>© 2023, FLLTutorials.com. Last edit 5/29/2023</a:t>
             </a:r>
           </a:p>
         </p:txBody>
@@ -5520,9 +5520,9 @@
           <a:bodyPr/>
           <a:lstStyle/>
           <a:p>
-            <a:fld id="{A389F105-C3A4-6E4F-8AB1-51E0CBC8BFCC}" type="datetime1">
+            <a:fld id="{69499378-6E65-FD4E-9DEA-1E591DEDF41F}" type="datetime1">
               <a:rPr lang="en-US" smtClean="0"/>
-              <a:t>10/27/22</a:t>
+              <a:t>5/29/23</a:t>
             </a:fld>
             <a:endParaRPr lang="en-US"/>
           </a:p>
@@ -5545,7 +5545,7 @@
           <a:p>
             <a:r>
               <a:rPr lang="en-US"/>
-              <a:t>© 2022, FLL Tutorials</a:t>
+              <a:t>© 2023, FLLTutorials.com. Last edit 5/29/2023</a:t>
             </a:r>
           </a:p>
         </p:txBody>
@@ -5691,9 +5691,9 @@
           <a:bodyPr/>
           <a:lstStyle/>
           <a:p>
-            <a:fld id="{96797594-CC9E-6744-97C2-A8E1FB2AA3A0}" type="datetime1">
+            <a:fld id="{934737B3-46DF-2B42-86B2-884FF5E340FD}" type="datetime1">
               <a:rPr lang="en-US" smtClean="0"/>
-              <a:t>10/27/22</a:t>
+              <a:t>5/29/23</a:t>
             </a:fld>
             <a:endParaRPr lang="en-US"/>
           </a:p>
@@ -5716,7 +5716,7 @@
           <a:p>
             <a:r>
               <a:rPr lang="en-US"/>
-              <a:t>© 2022, FLL Tutorials</a:t>
+              <a:t>© 2023, FLLTutorials.com. Last edit 5/29/2023</a:t>
             </a:r>
           </a:p>
         </p:txBody>
@@ -5939,9 +5939,9 @@
           <a:bodyPr/>
           <a:lstStyle/>
           <a:p>
-            <a:fld id="{E6E24293-BAA6-274D-95EB-1CC43F92D525}" type="datetime1">
+            <a:fld id="{29EAF281-35C3-E048-939E-83478CBED977}" type="datetime1">
               <a:rPr lang="en-US" smtClean="0"/>
-              <a:t>10/27/22</a:t>
+              <a:t>5/29/23</a:t>
             </a:fld>
             <a:endParaRPr lang="en-US"/>
           </a:p>
@@ -5964,7 +5964,7 @@
           <a:p>
             <a:r>
               <a:rPr lang="en-US"/>
-              <a:t>© 2022, FLL Tutorials</a:t>
+              <a:t>© 2023, FLLTutorials.com. Last edit 5/29/2023</a:t>
             </a:r>
           </a:p>
         </p:txBody>
@@ -6171,9 +6171,9 @@
           <a:bodyPr/>
           <a:lstStyle/>
           <a:p>
-            <a:fld id="{9D0EB7A9-49BC-934C-AF5A-03A0103F268C}" type="datetime1">
+            <a:fld id="{D8F51161-1755-8C40-A519-9D69FDFC8E8E}" type="datetime1">
               <a:rPr lang="en-US" smtClean="0"/>
-              <a:t>10/27/22</a:t>
+              <a:t>5/29/23</a:t>
             </a:fld>
             <a:endParaRPr lang="en-US"/>
           </a:p>
@@ -6196,7 +6196,7 @@
           <a:p>
             <a:r>
               <a:rPr lang="en-US"/>
-              <a:t>© 2022, FLL Tutorials</a:t>
+              <a:t>© 2023, FLLTutorials.com. Last edit 5/29/2023</a:t>
             </a:r>
           </a:p>
         </p:txBody>
@@ -6538,9 +6538,9 @@
           <a:bodyPr/>
           <a:lstStyle/>
           <a:p>
-            <a:fld id="{04828CFD-29C6-BD45-9C71-82CE4F0B543D}" type="datetime1">
+            <a:fld id="{8638AFA0-5DE8-8747-AFA2-763D3C2303AD}" type="datetime1">
               <a:rPr lang="en-US" smtClean="0"/>
-              <a:t>10/27/22</a:t>
+              <a:t>5/29/23</a:t>
             </a:fld>
             <a:endParaRPr lang="en-US"/>
           </a:p>
@@ -6563,7 +6563,7 @@
           <a:p>
             <a:r>
               <a:rPr lang="en-US"/>
-              <a:t>© 2022, FLL Tutorials</a:t>
+              <a:t>© 2023, FLLTutorials.com. Last edit 5/29/2023</a:t>
             </a:r>
           </a:p>
         </p:txBody>
@@ -6658,9 +6658,9 @@
           <a:bodyPr/>
           <a:lstStyle/>
           <a:p>
-            <a:fld id="{63684746-0514-5D49-B264-863865F4FF0C}" type="datetime1">
+            <a:fld id="{464E4E09-6095-A046-A6CE-4218241F9AF7}" type="datetime1">
               <a:rPr lang="en-US" smtClean="0"/>
-              <a:t>10/27/22</a:t>
+              <a:t>5/29/23</a:t>
             </a:fld>
             <a:endParaRPr lang="en-US"/>
           </a:p>
@@ -6683,7 +6683,7 @@
           <a:p>
             <a:r>
               <a:rPr lang="en-US"/>
-              <a:t>© 2022, FLL Tutorials</a:t>
+              <a:t>© 2023, FLLTutorials.com. Last edit 5/29/2023</a:t>
             </a:r>
           </a:p>
         </p:txBody>
@@ -6756,9 +6756,9 @@
           <a:bodyPr/>
           <a:lstStyle/>
           <a:p>
-            <a:fld id="{480FDAAC-922B-CA4C-BCFD-184E3E705B8D}" type="datetime1">
+            <a:fld id="{E0521011-B1C3-054C-A111-7D1CC8A3D942}" type="datetime1">
               <a:rPr lang="en-US" smtClean="0"/>
-              <a:t>10/27/22</a:t>
+              <a:t>5/29/23</a:t>
             </a:fld>
             <a:endParaRPr lang="en-US"/>
           </a:p>
@@ -6781,7 +6781,7 @@
           <a:p>
             <a:r>
               <a:rPr lang="en-US"/>
-              <a:t>© 2022, FLL Tutorials</a:t>
+              <a:t>© 2023, FLLTutorials.com. Last edit 5/29/2023</a:t>
             </a:r>
           </a:p>
         </p:txBody>
@@ -7013,9 +7013,9 @@
           <a:bodyPr/>
           <a:lstStyle/>
           <a:p>
-            <a:fld id="{97D6F5B2-A83B-9845-A618-07A49FE218E0}" type="datetime1">
+            <a:fld id="{3643B4AA-35B9-A94D-8F7D-0FA5A079122A}" type="datetime1">
               <a:rPr lang="en-US" smtClean="0"/>
-              <a:t>10/27/22</a:t>
+              <a:t>5/29/23</a:t>
             </a:fld>
             <a:endParaRPr lang="en-US"/>
           </a:p>
@@ -7061,7 +7061,7 @@
           <a:p>
             <a:r>
               <a:rPr lang="en-US"/>
-              <a:t>© 2022, FLL Tutorials</a:t>
+              <a:t>© 2023, FLLTutorials.com. Last edit 5/29/2023</a:t>
             </a:r>
           </a:p>
         </p:txBody>
@@ -7291,9 +7291,9 @@
           <a:bodyPr/>
           <a:lstStyle/>
           <a:p>
-            <a:fld id="{2AC70FF6-7323-C34B-B1DA-31FE33583F38}" type="datetime1">
+            <a:fld id="{D41E1641-09C7-3248-848A-D98DCE0E7A2B}" type="datetime1">
               <a:rPr lang="en-US" smtClean="0"/>
-              <a:t>10/27/22</a:t>
+              <a:t>5/29/23</a:t>
             </a:fld>
             <a:endParaRPr lang="en-US"/>
           </a:p>
@@ -7316,7 +7316,7 @@
           <a:p>
             <a:r>
               <a:rPr lang="en-US"/>
-              <a:t>© 2022, FLL Tutorials</a:t>
+              <a:t>© 2023, FLLTutorials.com. Last edit 5/29/2023</a:t>
             </a:r>
           </a:p>
         </p:txBody>
@@ -7549,9 +7549,9 @@
           <a:bodyPr/>
           <a:lstStyle/>
           <a:p>
-            <a:fld id="{0402BC6D-018F-3D4F-96E5-8AB794EB8371}" type="datetime1">
+            <a:fld id="{4919FED1-CF83-3245-9AC9-B2F916AA2897}" type="datetime1">
               <a:rPr lang="en-US" smtClean="0"/>
-              <a:t>10/27/22</a:t>
+              <a:t>5/29/23</a:t>
             </a:fld>
             <a:endParaRPr lang="en-US"/>
           </a:p>
@@ -7574,7 +7574,7 @@
           <a:p>
             <a:r>
               <a:rPr lang="en-US"/>
-              <a:t>© 2022, FLL Tutorials</a:t>
+              <a:t>© 2023, FLLTutorials.com. Last edit 5/29/2023</a:t>
             </a:r>
           </a:p>
         </p:txBody>
@@ -7720,9 +7720,9 @@
           <a:bodyPr/>
           <a:lstStyle/>
           <a:p>
-            <a:fld id="{E8F60980-309D-8A45-A2FB-6C2FEE663EBA}" type="datetime1">
+            <a:fld id="{1E3CDEBD-14A8-934C-8FDD-C90C76BC9C29}" type="datetime1">
               <a:rPr lang="en-US" smtClean="0"/>
-              <a:t>10/27/22</a:t>
+              <a:t>5/29/23</a:t>
             </a:fld>
             <a:endParaRPr lang="en-US"/>
           </a:p>
@@ -7745,7 +7745,7 @@
           <a:p>
             <a:r>
               <a:rPr lang="en-US"/>
-              <a:t>© 2022, FLL Tutorials</a:t>
+              <a:t>© 2023, FLLTutorials.com. Last edit 5/29/2023</a:t>
             </a:r>
           </a:p>
         </p:txBody>
@@ -7901,9 +7901,9 @@
           <a:bodyPr/>
           <a:lstStyle/>
           <a:p>
-            <a:fld id="{B90ADE97-0D1F-634D-BE4F-05F3579137FC}" type="datetime1">
+            <a:fld id="{92A7EE53-4E7E-FC42-9BBB-0C3FADFAE7A6}" type="datetime1">
               <a:rPr lang="en-US" smtClean="0"/>
-              <a:t>10/27/22</a:t>
+              <a:t>5/29/23</a:t>
             </a:fld>
             <a:endParaRPr lang="en-US"/>
           </a:p>
@@ -7926,7 +7926,7 @@
           <a:p>
             <a:r>
               <a:rPr lang="en-US"/>
-              <a:t>© 2022, FLL Tutorials</a:t>
+              <a:t>© 2023, FLLTutorials.com. Last edit 5/29/2023</a:t>
             </a:r>
           </a:p>
         </p:txBody>
@@ -8158,9 +8158,9 @@
           <a:bodyPr/>
           <a:lstStyle/>
           <a:p>
-            <a:fld id="{819A2A88-E561-4049-ADB7-D415122AE8F4}" type="datetime1">
+            <a:fld id="{8BE1E21F-9089-3341-BDBE-36495F6B5C96}" type="datetime1">
               <a:rPr lang="en-US" smtClean="0"/>
-              <a:t>10/27/22</a:t>
+              <a:t>5/29/23</a:t>
             </a:fld>
             <a:endParaRPr lang="en-US"/>
           </a:p>
@@ -8183,7 +8183,7 @@
           <a:p>
             <a:r>
               <a:rPr lang="en-US"/>
-              <a:t>© 2022, FLL Tutorials</a:t>
+              <a:t>© 2023, FLLTutorials.com. Last edit 5/29/2023</a:t>
             </a:r>
           </a:p>
         </p:txBody>
@@ -9182,9 +9182,9 @@
           <a:bodyPr/>
           <a:lstStyle/>
           <a:p>
-            <a:fld id="{F49123AC-D762-2E4E-B809-50F98116A435}" type="datetime1">
+            <a:fld id="{F5F947AF-5BAE-344B-B333-7FEAA7DB438B}" type="datetime1">
               <a:rPr lang="en-US" smtClean="0"/>
-              <a:t>10/27/22</a:t>
+              <a:t>5/29/23</a:t>
             </a:fld>
             <a:endParaRPr lang="en-US"/>
           </a:p>
@@ -9207,7 +9207,7 @@
           <a:p>
             <a:r>
               <a:rPr lang="en-US"/>
-              <a:t>© 2022, FLL Tutorials</a:t>
+              <a:t>© 2023, FLLTutorials.com. Last edit 5/29/2023</a:t>
             </a:r>
           </a:p>
         </p:txBody>
@@ -9444,9 +9444,9 @@
           <a:bodyPr/>
           <a:lstStyle/>
           <a:p>
-            <a:fld id="{F9F0F741-4C0E-2544-87C6-C825B30A678A}" type="datetime1">
+            <a:fld id="{BAB3A332-4FAE-4740-9D8B-8ED5BEB28192}" type="datetime1">
               <a:rPr lang="en-US" smtClean="0"/>
-              <a:t>10/27/22</a:t>
+              <a:t>5/29/23</a:t>
             </a:fld>
             <a:endParaRPr lang="en-US"/>
           </a:p>
@@ -9492,7 +9492,7 @@
           <a:p>
             <a:r>
               <a:rPr lang="en-US"/>
-              <a:t>© 2022, FLL Tutorials</a:t>
+              <a:t>© 2023, FLLTutorials.com. Last edit 5/29/2023</a:t>
             </a:r>
           </a:p>
         </p:txBody>
@@ -9739,9 +9739,9 @@
           <a:bodyPr/>
           <a:lstStyle/>
           <a:p>
-            <a:fld id="{994550AF-4A33-134A-B5EE-0FC4CC5CF6B4}" type="datetime1">
+            <a:fld id="{5B89732E-3F1B-9F4E-83CD-661796A91D30}" type="datetime1">
               <a:rPr lang="en-US" smtClean="0"/>
-              <a:t>10/27/22</a:t>
+              <a:t>5/29/23</a:t>
             </a:fld>
             <a:endParaRPr lang="en-US"/>
           </a:p>
@@ -9764,7 +9764,7 @@
           <a:p>
             <a:r>
               <a:rPr lang="en-US"/>
-              <a:t>© 2022, FLL Tutorials</a:t>
+              <a:t>© 2023, FLLTutorials.com. Last edit 5/29/2023</a:t>
             </a:r>
           </a:p>
         </p:txBody>
@@ -10185,9 +10185,9 @@
           <a:bodyPr/>
           <a:lstStyle/>
           <a:p>
-            <a:fld id="{9069AEF6-8E2D-5449-AE52-3AC2E8E9CC87}" type="datetime1">
+            <a:fld id="{8031D846-73D0-D740-B499-094852971136}" type="datetime1">
               <a:rPr lang="en-US" smtClean="0"/>
-              <a:t>10/27/22</a:t>
+              <a:t>5/29/23</a:t>
             </a:fld>
             <a:endParaRPr lang="en-US"/>
           </a:p>
@@ -10210,7 +10210,7 @@
           <a:p>
             <a:r>
               <a:rPr lang="en-US"/>
-              <a:t>© 2022, FLL Tutorials</a:t>
+              <a:t>© 2023, FLLTutorials.com. Last edit 5/29/2023</a:t>
             </a:r>
           </a:p>
         </p:txBody>
@@ -10305,9 +10305,9 @@
           <a:bodyPr/>
           <a:lstStyle/>
           <a:p>
-            <a:fld id="{E08989A6-F116-5240-877D-5A9EDC8D48A7}" type="datetime1">
+            <a:fld id="{51F2DDB5-41AC-AE43-9545-46D45B1EA9CF}" type="datetime1">
               <a:rPr lang="en-US" smtClean="0"/>
-              <a:t>10/27/22</a:t>
+              <a:t>5/29/23</a:t>
             </a:fld>
             <a:endParaRPr lang="en-US"/>
           </a:p>
@@ -10330,7 +10330,7 @@
           <a:p>
             <a:r>
               <a:rPr lang="en-US"/>
-              <a:t>© 2022, FLL Tutorials</a:t>
+              <a:t>© 2023, FLLTutorials.com. Last edit 5/29/2023</a:t>
             </a:r>
           </a:p>
         </p:txBody>
@@ -10599,9 +10599,9 @@
           <a:bodyPr/>
           <a:lstStyle/>
           <a:p>
-            <a:fld id="{6CAF9ECE-6CF5-9943-8D9F-813327D716CC}" type="datetime1">
+            <a:fld id="{EC8D320C-08BF-214F-8876-BBC7CC68A491}" type="datetime1">
               <a:rPr lang="en-US" smtClean="0"/>
-              <a:t>10/27/22</a:t>
+              <a:t>5/29/23</a:t>
             </a:fld>
             <a:endParaRPr lang="en-US"/>
           </a:p>
@@ -10624,7 +10624,7 @@
           <a:p>
             <a:r>
               <a:rPr lang="en-US"/>
-              <a:t>© 2022, FLL Tutorials</a:t>
+              <a:t>© 2023, FLLTutorials.com. Last edit 5/29/2023</a:t>
             </a:r>
           </a:p>
         </p:txBody>
@@ -10697,9 +10697,9 @@
           <a:bodyPr/>
           <a:lstStyle/>
           <a:p>
-            <a:fld id="{C5391E7F-C200-DF47-AFBB-2B976F896202}" type="datetime1">
+            <a:fld id="{AB36B50E-37BD-8E4A-9410-70C35D0E609E}" type="datetime1">
               <a:rPr lang="en-US" smtClean="0"/>
-              <a:t>10/27/22</a:t>
+              <a:t>5/29/23</a:t>
             </a:fld>
             <a:endParaRPr lang="en-US"/>
           </a:p>
@@ -10722,7 +10722,7 @@
           <a:p>
             <a:r>
               <a:rPr lang="en-US"/>
-              <a:t>© 2022, FLL Tutorials</a:t>
+              <a:t>© 2023, FLLTutorials.com. Last edit 5/29/2023</a:t>
             </a:r>
           </a:p>
         </p:txBody>
@@ -10947,9 +10947,9 @@
           <a:bodyPr/>
           <a:lstStyle/>
           <a:p>
-            <a:fld id="{CC87DA07-2A19-BD40-B8FF-30157D4C3AC2}" type="datetime1">
+            <a:fld id="{2D8C9529-E590-8B4E-86CA-877912527F69}" type="datetime1">
               <a:rPr lang="en-US" smtClean="0"/>
-              <a:t>10/27/22</a:t>
+              <a:t>5/29/23</a:t>
             </a:fld>
             <a:endParaRPr lang="en-US"/>
           </a:p>
@@ -10972,7 +10972,7 @@
           <a:p>
             <a:r>
               <a:rPr lang="en-US"/>
-              <a:t>© 2022, FLL Tutorials</a:t>
+              <a:t>© 2023, FLLTutorials.com. Last edit 5/29/2023</a:t>
             </a:r>
           </a:p>
         </p:txBody>
@@ -11247,9 +11247,9 @@
           <a:bodyPr/>
           <a:lstStyle/>
           <a:p>
-            <a:fld id="{42B79B8F-D8D8-D94B-B731-11E8E8D5E854}" type="datetime1">
+            <a:fld id="{2B986442-0D3C-3446-98E7-A926231D074D}" type="datetime1">
               <a:rPr lang="en-US" smtClean="0"/>
-              <a:t>10/27/22</a:t>
+              <a:t>5/29/23</a:t>
             </a:fld>
             <a:endParaRPr lang="en-US"/>
           </a:p>
@@ -11272,7 +11272,7 @@
           <a:p>
             <a:r>
               <a:rPr lang="en-US"/>
-              <a:t>© 2022, FLL Tutorials</a:t>
+              <a:t>© 2023, FLLTutorials.com. Last edit 5/29/2023</a:t>
             </a:r>
           </a:p>
         </p:txBody>
@@ -11506,9 +11506,9 @@
           <a:bodyPr/>
           <a:lstStyle/>
           <a:p>
-            <a:fld id="{55089E89-D6FA-9C4F-9872-9BAFB4831E63}" type="datetime1">
+            <a:fld id="{C805D347-18F8-5E4D-B894-86CE883DD912}" type="datetime1">
               <a:rPr lang="en-US" smtClean="0"/>
-              <a:t>10/27/22</a:t>
+              <a:t>5/29/23</a:t>
             </a:fld>
             <a:endParaRPr lang="en-US"/>
           </a:p>
@@ -11531,7 +11531,7 @@
           <a:p>
             <a:r>
               <a:rPr lang="en-US"/>
-              <a:t>© 2022, FLL Tutorials</a:t>
+              <a:t>© 2023, FLLTutorials.com. Last edit 5/29/2023</a:t>
             </a:r>
           </a:p>
         </p:txBody>
@@ -11687,9 +11687,9 @@
           <a:bodyPr/>
           <a:lstStyle/>
           <a:p>
-            <a:fld id="{AD0BA63B-9182-8F47-A7E2-4CA92DDF4850}" type="datetime1">
+            <a:fld id="{04B4C69D-6D0E-A845-A259-1CC6642CCFD4}" type="datetime1">
               <a:rPr lang="en-US" smtClean="0"/>
-              <a:t>10/27/22</a:t>
+              <a:t>5/29/23</a:t>
             </a:fld>
             <a:endParaRPr lang="en-US"/>
           </a:p>
@@ -11712,7 +11712,7 @@
           <a:p>
             <a:r>
               <a:rPr lang="en-US"/>
-              <a:t>© 2022, FLL Tutorials</a:t>
+              <a:t>© 2023, FLLTutorials.com. Last edit 5/29/2023</a:t>
             </a:r>
           </a:p>
         </p:txBody>
@@ -11903,9 +11903,9 @@
           <a:bodyPr/>
           <a:lstStyle/>
           <a:p>
-            <a:fld id="{40A72A4B-D87E-6C4B-80B8-42D3B1A19BCA}" type="datetime1">
+            <a:fld id="{4E4F1BEA-AC30-EB43-9C50-DBCF722A79FF}" type="datetime1">
               <a:rPr lang="en-US" smtClean="0"/>
-              <a:t>10/27/22</a:t>
+              <a:t>5/29/23</a:t>
             </a:fld>
             <a:endParaRPr lang="en-US"/>
           </a:p>
@@ -11933,7 +11933,7 @@
           <a:p>
             <a:r>
               <a:rPr lang="en-US"/>
-              <a:t>© 2022, FLL Tutorials</a:t>
+              <a:t>© 2023, FLLTutorials.com. Last edit 5/29/2023</a:t>
             </a:r>
           </a:p>
         </p:txBody>
@@ -13159,9 +13159,9 @@
           <a:bodyPr/>
           <a:lstStyle/>
           <a:p>
-            <a:fld id="{A21DA31E-C8A6-4C4E-9E2C-CE871AF62FE4}" type="datetime1">
+            <a:fld id="{739AA2CA-27D8-6540-AC1B-27F7EC1370D4}" type="datetime1">
               <a:rPr lang="en-US" smtClean="0"/>
-              <a:t>10/27/22</a:t>
+              <a:t>5/29/23</a:t>
             </a:fld>
             <a:endParaRPr lang="en-US"/>
           </a:p>
@@ -13184,7 +13184,7 @@
           <a:p>
             <a:r>
               <a:rPr lang="en-US"/>
-              <a:t>© 2022, FLL Tutorials</a:t>
+              <a:t>© 2023, FLLTutorials.com. Last edit 5/29/2023</a:t>
             </a:r>
           </a:p>
         </p:txBody>
@@ -13424,9 +13424,9 @@
           <a:bodyPr/>
           <a:lstStyle/>
           <a:p>
-            <a:fld id="{93E39BBE-4369-B44C-B964-23928110E2D4}" type="datetime1">
+            <a:fld id="{24F5FDEB-69E8-E741-B3DE-FBA9179FDC33}" type="datetime1">
               <a:rPr lang="en-US" smtClean="0"/>
-              <a:t>10/27/22</a:t>
+              <a:t>5/29/23</a:t>
             </a:fld>
             <a:endParaRPr lang="en-US"/>
           </a:p>
@@ -13480,7 +13480,7 @@
           <a:p>
             <a:r>
               <a:rPr lang="en-US"/>
-              <a:t>© 2022, FLL Tutorials</a:t>
+              <a:t>© 2023, FLLTutorials.com. Last edit 5/29/2023</a:t>
             </a:r>
           </a:p>
         </p:txBody>
@@ -13727,9 +13727,9 @@
           <a:bodyPr/>
           <a:lstStyle/>
           <a:p>
-            <a:fld id="{86CDDF68-C32C-9A4A-BBE1-E614F9CAEA5D}" type="datetime1">
+            <a:fld id="{73A3754A-63BD-3843-B490-5BE03071AE4A}" type="datetime1">
               <a:rPr lang="en-US" smtClean="0"/>
-              <a:t>10/27/22</a:t>
+              <a:t>5/29/23</a:t>
             </a:fld>
             <a:endParaRPr lang="en-US"/>
           </a:p>
@@ -13752,7 +13752,7 @@
           <a:p>
             <a:r>
               <a:rPr lang="en-US"/>
-              <a:t>© 2022, FLL Tutorials</a:t>
+              <a:t>© 2023, FLLTutorials.com. Last edit 5/29/2023</a:t>
             </a:r>
           </a:p>
         </p:txBody>
@@ -14181,9 +14181,9 @@
           <a:bodyPr/>
           <a:lstStyle/>
           <a:p>
-            <a:fld id="{06889C84-A170-864B-BEE8-D59521F75210}" type="datetime1">
+            <a:fld id="{3EF17F35-E895-2A45-9DE2-96E63FADFC7A}" type="datetime1">
               <a:rPr lang="en-US" smtClean="0"/>
-              <a:t>10/27/22</a:t>
+              <a:t>5/29/23</a:t>
             </a:fld>
             <a:endParaRPr lang="en-US"/>
           </a:p>
@@ -14206,7 +14206,7 @@
           <a:p>
             <a:r>
               <a:rPr lang="en-US"/>
-              <a:t>© 2022, FLL Tutorials</a:t>
+              <a:t>© 2023, FLLTutorials.com. Last edit 5/29/2023</a:t>
             </a:r>
           </a:p>
         </p:txBody>
@@ -14635,9 +14635,9 @@
           <a:bodyPr/>
           <a:lstStyle/>
           <a:p>
-            <a:fld id="{2325BF3A-96CF-A04E-89E5-51448B8734C2}" type="datetime1">
+            <a:fld id="{7EB3B5BB-7B3F-F24D-BDCD-66AA8E13F718}" type="datetime1">
               <a:rPr lang="en-US" smtClean="0"/>
-              <a:t>10/27/22</a:t>
+              <a:t>5/29/23</a:t>
             </a:fld>
             <a:endParaRPr lang="en-US"/>
           </a:p>
@@ -14660,7 +14660,7 @@
           <a:p>
             <a:r>
               <a:rPr lang="en-US"/>
-              <a:t>© 2022, FLL Tutorials</a:t>
+              <a:t>© 2023, FLLTutorials.com. Last edit 5/29/2023</a:t>
             </a:r>
           </a:p>
         </p:txBody>
@@ -14755,9 +14755,9 @@
           <a:bodyPr/>
           <a:lstStyle/>
           <a:p>
-            <a:fld id="{C92FF28A-ABB6-734A-B28E-5E63B67566F4}" type="datetime1">
+            <a:fld id="{8948446A-8C42-EC42-9E28-86E7ED5A2555}" type="datetime1">
               <a:rPr lang="en-US" smtClean="0"/>
-              <a:t>10/27/22</a:t>
+              <a:t>5/29/23</a:t>
             </a:fld>
             <a:endParaRPr lang="en-US"/>
           </a:p>
@@ -14780,7 +14780,7 @@
           <a:p>
             <a:r>
               <a:rPr lang="en-US"/>
-              <a:t>© 2022, FLL Tutorials</a:t>
+              <a:t>© 2023, FLLTutorials.com. Last edit 5/29/2023</a:t>
             </a:r>
           </a:p>
         </p:txBody>
@@ -14861,9 +14861,9 @@
           <a:bodyPr/>
           <a:lstStyle/>
           <a:p>
-            <a:fld id="{BDAEE3B6-2C60-4C44-BF22-C99764E61B9B}" type="datetime1">
+            <a:fld id="{011D2FBD-8D13-3D46-AFFB-ABA859714182}" type="datetime1">
               <a:rPr lang="en-US" smtClean="0"/>
-              <a:t>10/27/22</a:t>
+              <a:t>5/29/23</a:t>
             </a:fld>
             <a:endParaRPr lang="en-US"/>
           </a:p>
@@ -14886,7 +14886,7 @@
           <a:p>
             <a:r>
               <a:rPr lang="en-US"/>
-              <a:t>© 2022, FLL Tutorials</a:t>
+              <a:t>© 2023, FLLTutorials.com. Last edit 5/29/2023</a:t>
             </a:r>
           </a:p>
         </p:txBody>
@@ -15119,9 +15119,9 @@
           <a:bodyPr/>
           <a:lstStyle/>
           <a:p>
-            <a:fld id="{35438C2B-C216-3242-A1D4-3ADF233337A9}" type="datetime1">
+            <a:fld id="{E4D5DFBC-5745-7A40-8AA3-44DCC7671F2B}" type="datetime1">
               <a:rPr lang="en-US" smtClean="0"/>
-              <a:t>10/27/22</a:t>
+              <a:t>5/29/23</a:t>
             </a:fld>
             <a:endParaRPr lang="en-US"/>
           </a:p>
@@ -15144,7 +15144,7 @@
           <a:p>
             <a:r>
               <a:rPr lang="en-US"/>
-              <a:t>© 2022, FLL Tutorials</a:t>
+              <a:t>© 2023, FLLTutorials.com. Last edit 5/29/2023</a:t>
             </a:r>
           </a:p>
         </p:txBody>
@@ -15427,9 +15427,9 @@
           <a:bodyPr/>
           <a:lstStyle/>
           <a:p>
-            <a:fld id="{57466983-D206-DE40-BAA5-DDF3D6796BBB}" type="datetime1">
+            <a:fld id="{D8F4AEF3-3AB8-A349-B9D5-048D9F559FCA}" type="datetime1">
               <a:rPr lang="en-US" smtClean="0"/>
-              <a:t>10/27/22</a:t>
+              <a:t>5/29/23</a:t>
             </a:fld>
             <a:endParaRPr lang="en-US"/>
           </a:p>
@@ -15452,7 +15452,7 @@
           <a:p>
             <a:r>
               <a:rPr lang="en-US"/>
-              <a:t>© 2022, FLL Tutorials</a:t>
+              <a:t>© 2023, FLLTutorials.com. Last edit 5/29/2023</a:t>
             </a:r>
           </a:p>
         </p:txBody>
@@ -15694,9 +15694,9 @@
           <a:bodyPr/>
           <a:lstStyle/>
           <a:p>
-            <a:fld id="{3292D62C-455B-B841-8272-14041920AFA2}" type="datetime1">
+            <a:fld id="{D7C2BBE9-F09E-8643-B5E8-A938812E73D4}" type="datetime1">
               <a:rPr lang="en-US" smtClean="0"/>
-              <a:t>10/27/22</a:t>
+              <a:t>5/29/23</a:t>
             </a:fld>
             <a:endParaRPr lang="en-US"/>
           </a:p>
@@ -15719,7 +15719,7 @@
           <a:p>
             <a:r>
               <a:rPr lang="en-US"/>
-              <a:t>© 2022, FLL Tutorials</a:t>
+              <a:t>© 2023, FLLTutorials.com. Last edit 5/29/2023</a:t>
             </a:r>
           </a:p>
         </p:txBody>
@@ -15883,9 +15883,9 @@
           <a:bodyPr/>
           <a:lstStyle/>
           <a:p>
-            <a:fld id="{238E8541-6217-2748-9C3E-7B7C06DB8B15}" type="datetime1">
+            <a:fld id="{67918C6D-CD40-864A-BABF-BE4B48A51BC4}" type="datetime1">
               <a:rPr lang="en-US" smtClean="0"/>
-              <a:t>10/27/22</a:t>
+              <a:t>5/29/23</a:t>
             </a:fld>
             <a:endParaRPr lang="en-US"/>
           </a:p>
@@ -15908,7 +15908,7 @@
           <a:p>
             <a:r>
               <a:rPr lang="en-US"/>
-              <a:t>© 2022, FLL Tutorials</a:t>
+              <a:t>© 2023, FLLTutorials.com. Last edit 5/29/2023</a:t>
             </a:r>
           </a:p>
         </p:txBody>
@@ -16084,9 +16084,9 @@
           <a:bodyPr/>
           <a:lstStyle/>
           <a:p>
-            <a:fld id="{A7FF8184-6E00-8743-8DEA-CA439963FE5A}" type="datetime1">
+            <a:fld id="{01492969-1BD1-D245-AC04-579B4B866E19}" type="datetime1">
               <a:rPr lang="en-US" smtClean="0"/>
-              <a:t>10/27/22</a:t>
+              <a:t>5/29/23</a:t>
             </a:fld>
             <a:endParaRPr lang="en-US"/>
           </a:p>
@@ -16109,7 +16109,7 @@
           <a:p>
             <a:r>
               <a:rPr lang="en-US"/>
-              <a:t>© 2022, FLL Tutorials</a:t>
+              <a:t>© 2023, FLLTutorials.com. Last edit 5/29/2023</a:t>
             </a:r>
           </a:p>
         </p:txBody>
@@ -16255,9 +16255,9 @@
           <a:bodyPr/>
           <a:lstStyle/>
           <a:p>
-            <a:fld id="{62FF749A-3AAB-914B-A691-9C07C8A1C10C}" type="datetime1">
+            <a:fld id="{63673DA1-6051-D44B-BD68-19F59E244F1F}" type="datetime1">
               <a:rPr lang="en-US" smtClean="0"/>
-              <a:t>10/27/22</a:t>
+              <a:t>5/29/23</a:t>
             </a:fld>
             <a:endParaRPr lang="en-US"/>
           </a:p>
@@ -16280,7 +16280,7 @@
           <a:p>
             <a:r>
               <a:rPr lang="en-US"/>
-              <a:t>© 2022, FLL Tutorials</a:t>
+              <a:t>© 2023, FLLTutorials.com. Last edit 5/29/2023</a:t>
             </a:r>
           </a:p>
         </p:txBody>
@@ -16503,9 +16503,9 @@
           <a:bodyPr/>
           <a:lstStyle/>
           <a:p>
-            <a:fld id="{DB0A9FDE-6CE8-F447-B173-00B84AC91DC0}" type="datetime1">
+            <a:fld id="{A3ECB69F-C27A-A445-B5CD-8699DC2F059B}" type="datetime1">
               <a:rPr lang="en-US" smtClean="0"/>
-              <a:t>10/27/22</a:t>
+              <a:t>5/29/23</a:t>
             </a:fld>
             <a:endParaRPr lang="en-US"/>
           </a:p>
@@ -16528,7 +16528,7 @@
           <a:p>
             <a:r>
               <a:rPr lang="en-US"/>
-              <a:t>© 2022, FLL Tutorials</a:t>
+              <a:t>© 2023, FLLTutorials.com. Last edit 5/29/2023</a:t>
             </a:r>
           </a:p>
         </p:txBody>
@@ -16735,9 +16735,9 @@
           <a:bodyPr/>
           <a:lstStyle/>
           <a:p>
-            <a:fld id="{EE4074BA-7774-E548-A911-3BFB7EC5FDD9}" type="datetime1">
+            <a:fld id="{9E2C61CB-C18A-5549-8D56-C8955D73E5A4}" type="datetime1">
               <a:rPr lang="en-US" smtClean="0"/>
-              <a:t>10/27/22</a:t>
+              <a:t>5/29/23</a:t>
             </a:fld>
             <a:endParaRPr lang="en-US"/>
           </a:p>
@@ -16760,7 +16760,7 @@
           <a:p>
             <a:r>
               <a:rPr lang="en-US"/>
-              <a:t>© 2022, FLL Tutorials</a:t>
+              <a:t>© 2023, FLLTutorials.com. Last edit 5/29/2023</a:t>
             </a:r>
           </a:p>
         </p:txBody>
@@ -16855,9 +16855,9 @@
           <a:bodyPr/>
           <a:lstStyle/>
           <a:p>
-            <a:fld id="{5949E9CC-BA5A-7E4B-9E93-8BD073668237}" type="datetime1">
+            <a:fld id="{44323902-F47E-2846-9D99-89B861833F9F}" type="datetime1">
               <a:rPr lang="en-US" smtClean="0"/>
-              <a:t>10/27/22</a:t>
+              <a:t>5/29/23</a:t>
             </a:fld>
             <a:endParaRPr lang="en-US"/>
           </a:p>
@@ -16880,7 +16880,7 @@
           <a:p>
             <a:r>
               <a:rPr lang="en-US"/>
-              <a:t>© 2022, FLL Tutorials</a:t>
+              <a:t>© 2023, FLLTutorials.com. Last edit 5/29/2023</a:t>
             </a:r>
           </a:p>
         </p:txBody>
@@ -17222,9 +17222,9 @@
           <a:bodyPr/>
           <a:lstStyle/>
           <a:p>
-            <a:fld id="{6A801EFA-91AA-0F47-8764-0B6852938885}" type="datetime1">
+            <a:fld id="{5E6D64FC-AE94-9E4B-87E0-240FC4B3B97C}" type="datetime1">
               <a:rPr lang="en-US" smtClean="0"/>
-              <a:t>10/27/22</a:t>
+              <a:t>5/29/23</a:t>
             </a:fld>
             <a:endParaRPr lang="en-US"/>
           </a:p>
@@ -17247,7 +17247,7 @@
           <a:p>
             <a:r>
               <a:rPr lang="en-US"/>
-              <a:t>© 2022, FLL Tutorials</a:t>
+              <a:t>© 2023, FLLTutorials.com. Last edit 5/29/2023</a:t>
             </a:r>
           </a:p>
         </p:txBody>
@@ -17342,9 +17342,9 @@
           <a:bodyPr/>
           <a:lstStyle/>
           <a:p>
-            <a:fld id="{30F47A7D-104A-7849-A73A-BEA3745C4C53}" type="datetime1">
+            <a:fld id="{E44E97D9-E10D-9A46-BA19-E24E6318FAE9}" type="datetime1">
               <a:rPr lang="en-US" smtClean="0"/>
-              <a:t>10/27/22</a:t>
+              <a:t>5/29/23</a:t>
             </a:fld>
             <a:endParaRPr lang="en-US"/>
           </a:p>
@@ -17367,7 +17367,7 @@
           <a:p>
             <a:r>
               <a:rPr lang="en-US"/>
-              <a:t>© 2022, FLL Tutorials</a:t>
+              <a:t>© 2023, FLLTutorials.com. Last edit 5/29/2023</a:t>
             </a:r>
           </a:p>
         </p:txBody>
@@ -17440,9 +17440,9 @@
           <a:bodyPr/>
           <a:lstStyle/>
           <a:p>
-            <a:fld id="{05CDD866-706E-2F4E-961C-A87A9B3C99BF}" type="datetime1">
+            <a:fld id="{90646E51-8940-CF46-BE87-E16857C2C9EA}" type="datetime1">
               <a:rPr lang="en-US" smtClean="0"/>
-              <a:t>10/27/22</a:t>
+              <a:t>5/29/23</a:t>
             </a:fld>
             <a:endParaRPr lang="en-US"/>
           </a:p>
@@ -17465,7 +17465,7 @@
           <a:p>
             <a:r>
               <a:rPr lang="en-US"/>
-              <a:t>© 2022, FLL Tutorials</a:t>
+              <a:t>© 2023, FLLTutorials.com. Last edit 5/29/2023</a:t>
             </a:r>
           </a:p>
         </p:txBody>
@@ -17718,9 +17718,9 @@
           <a:bodyPr/>
           <a:lstStyle/>
           <a:p>
-            <a:fld id="{C0DE762F-2479-704B-B057-FA14051EA941}" type="datetime1">
+            <a:fld id="{79EAFAB9-012F-1F48-B85C-1663F010B213}" type="datetime1">
               <a:rPr lang="en-US" smtClean="0"/>
-              <a:t>10/27/22</a:t>
+              <a:t>5/29/23</a:t>
             </a:fld>
             <a:endParaRPr lang="en-US"/>
           </a:p>
@@ -17743,7 +17743,7 @@
           <a:p>
             <a:r>
               <a:rPr lang="en-US"/>
-              <a:t>© 2022, FLL Tutorials</a:t>
+              <a:t>© 2023, FLLTutorials.com. Last edit 5/29/2023</a:t>
             </a:r>
           </a:p>
         </p:txBody>
@@ -17976,9 +17976,9 @@
           <a:bodyPr/>
           <a:lstStyle/>
           <a:p>
-            <a:fld id="{4239265A-207F-E24C-94A3-8109E79A31CF}" type="datetime1">
+            <a:fld id="{DCB722F2-C92A-364D-AA92-E9ADBD31D9F1}" type="datetime1">
               <a:rPr lang="en-US" smtClean="0"/>
-              <a:t>10/27/22</a:t>
+              <a:t>5/29/23</a:t>
             </a:fld>
             <a:endParaRPr lang="en-US"/>
           </a:p>
@@ -18001,7 +18001,7 @@
           <a:p>
             <a:r>
               <a:rPr lang="en-US"/>
-              <a:t>© 2022, FLL Tutorials</a:t>
+              <a:t>© 2023, FLLTutorials.com. Last edit 5/29/2023</a:t>
             </a:r>
           </a:p>
         </p:txBody>
@@ -18147,9 +18147,9 @@
           <a:bodyPr/>
           <a:lstStyle/>
           <a:p>
-            <a:fld id="{D56E4B33-149F-FE4D-89C7-0500C3EFCCF8}" type="datetime1">
+            <a:fld id="{CBCC320C-CB67-974B-953C-6FE6AC550E56}" type="datetime1">
               <a:rPr lang="en-US" smtClean="0"/>
-              <a:t>10/27/22</a:t>
+              <a:t>5/29/23</a:t>
             </a:fld>
             <a:endParaRPr lang="en-US"/>
           </a:p>
@@ -18172,7 +18172,7 @@
           <a:p>
             <a:r>
               <a:rPr lang="en-US"/>
-              <a:t>© 2022, FLL Tutorials</a:t>
+              <a:t>© 2023, FLLTutorials.com. Last edit 5/29/2023</a:t>
             </a:r>
           </a:p>
         </p:txBody>
@@ -18328,9 +18328,9 @@
           <a:bodyPr/>
           <a:lstStyle/>
           <a:p>
-            <a:fld id="{5E2ABCF4-BDDA-6A46-A5D3-6B7DE37DD84B}" type="datetime1">
+            <a:fld id="{A1CFA7A0-72D1-8941-8DA9-1B0C28BC0439}" type="datetime1">
               <a:rPr lang="en-US" smtClean="0"/>
-              <a:t>10/27/22</a:t>
+              <a:t>5/29/23</a:t>
             </a:fld>
             <a:endParaRPr lang="en-US"/>
           </a:p>
@@ -18353,7 +18353,7 @@
           <a:p>
             <a:r>
               <a:rPr lang="en-US"/>
-              <a:t>© 2022, FLL Tutorials</a:t>
+              <a:t>© 2023, FLLTutorials.com. Last edit 5/29/2023</a:t>
             </a:r>
           </a:p>
         </p:txBody>
@@ -18645,9 +18645,9 @@
             </a:lvl1pPr>
           </a:lstStyle>
           <a:p>
-            <a:fld id="{5CB82B96-7A72-5348-AD44-D64B22BAABDA}" type="datetime1">
+            <a:fld id="{9277F308-2D4E-D24B-9DE2-FAF2909D2495}" type="datetime1">
               <a:rPr lang="en-US" smtClean="0"/>
-              <a:t>10/27/22</a:t>
+              <a:t>5/29/23</a:t>
             </a:fld>
             <a:endParaRPr lang="en-US"/>
           </a:p>
@@ -18689,7 +18689,7 @@
           <a:p>
             <a:r>
               <a:rPr lang="en-US"/>
-              <a:t>© 2022, FLL Tutorials</a:t>
+              <a:t>© 2023, FLLTutorials.com. Last edit 5/29/2023</a:t>
             </a:r>
           </a:p>
         </p:txBody>
@@ -18978,9 +18978,9 @@
             </a:lvl1pPr>
           </a:lstStyle>
           <a:p>
-            <a:fld id="{7F1AAC09-A31A-0A4D-876B-395C8ADA4F89}" type="datetime1">
+            <a:fld id="{57BC9472-E5C7-0144-9595-E9C1BDBB72EF}" type="datetime1">
               <a:rPr lang="en-US" smtClean="0"/>
-              <a:t>10/27/22</a:t>
+              <a:t>5/29/23</a:t>
             </a:fld>
             <a:endParaRPr lang="en-US"/>
           </a:p>
@@ -19025,7 +19025,7 @@
           <a:p>
             <a:r>
               <a:rPr lang="en-US"/>
-              <a:t>© 2022, FLL Tutorials</a:t>
+              <a:t>© 2023, FLLTutorials.com. Last edit 5/29/2023</a:t>
             </a:r>
           </a:p>
         </p:txBody>
@@ -19432,7 +19432,7 @@
             <a:fld id="{B61BEF0D-F0BB-DE4B-95CE-6DB70DBA9567}" type="datetimeFigureOut">
               <a:rPr lang="en-US" smtClean="0"/>
               <a:pPr/>
-              <a:t>10/27/22</a:t>
+              <a:t>5/29/23</a:t>
             </a:fld>
             <a:endParaRPr lang="en-US" dirty="0"/>
           </a:p>
@@ -19748,9 +19748,9 @@
           <a:bodyPr/>
           <a:lstStyle/>
           <a:p>
-            <a:fld id="{390DB0ED-F75C-9644-8E1A-34F62E43B146}" type="datetime1">
+            <a:fld id="{0326028D-262D-3047-9777-9530C814C01D}" type="datetime1">
               <a:rPr lang="en-US" smtClean="0"/>
-              <a:t>10/27/22</a:t>
+              <a:t>5/29/23</a:t>
             </a:fld>
             <a:endParaRPr lang="en-US"/>
           </a:p>
@@ -19773,7 +19773,7 @@
           <a:p>
             <a:r>
               <a:rPr lang="en-US"/>
-              <a:t>© 2022, FLL Tutorials</a:t>
+              <a:t>© 2023, FLLTutorials.com. Last edit 5/29/2023</a:t>
             </a:r>
           </a:p>
         </p:txBody>
@@ -20034,9 +20034,9 @@
           <a:bodyPr/>
           <a:lstStyle/>
           <a:p>
-            <a:fld id="{41E0D3AF-F2FC-4C48-AE61-07EFE9B62A86}" type="datetime1">
+            <a:fld id="{C56DD89D-7CF3-FD43-A10E-CFB987A7CE1F}" type="datetime1">
               <a:rPr lang="en-US" smtClean="0"/>
-              <a:t>10/27/22</a:t>
+              <a:t>5/29/23</a:t>
             </a:fld>
             <a:endParaRPr lang="en-US"/>
           </a:p>
@@ -20067,7 +20067,7 @@
           <a:p>
             <a:r>
               <a:rPr lang="en-US"/>
-              <a:t>© 2022, FLL Tutorials</a:t>
+              <a:t>© 2023, FLLTutorials.com. Last edit 5/29/2023</a:t>
             </a:r>
           </a:p>
         </p:txBody>
@@ -20482,9 +20482,9 @@
           <a:bodyPr/>
           <a:lstStyle/>
           <a:p>
-            <a:fld id="{D96323EF-09E9-8243-8A71-A6082184A67E}" type="datetime1">
+            <a:fld id="{3DEEA968-6B3E-5347-8718-A96482FAE82F}" type="datetime1">
               <a:rPr lang="en-US" smtClean="0"/>
-              <a:t>10/27/22</a:t>
+              <a:t>5/29/23</a:t>
             </a:fld>
             <a:endParaRPr lang="en-US"/>
           </a:p>
@@ -20515,7 +20515,7 @@
           <a:p>
             <a:r>
               <a:rPr lang="en-US"/>
-              <a:t>© 2022, FLL Tutorials</a:t>
+              <a:t>© 2023, FLLTutorials.com. Last edit 5/29/2023</a:t>
             </a:r>
           </a:p>
         </p:txBody>
@@ -20666,9 +20666,9 @@
           <a:bodyPr/>
           <a:lstStyle/>
           <a:p>
-            <a:fld id="{B080AA57-3277-4F4E-A81F-DD7D8ADB48E7}" type="datetime1">
+            <a:fld id="{3366AE51-AA13-5E4E-866E-49EEF9D14B82}" type="datetime1">
               <a:rPr lang="en-US" smtClean="0"/>
-              <a:t>10/27/22</a:t>
+              <a:t>5/29/23</a:t>
             </a:fld>
             <a:endParaRPr lang="en-US"/>
           </a:p>
@@ -20699,7 +20699,7 @@
           <a:p>
             <a:r>
               <a:rPr lang="en-US"/>
-              <a:t>© 2022, FLL Tutorials</a:t>
+              <a:t>© 2023, FLLTutorials.com. Last edit 5/29/2023</a:t>
             </a:r>
           </a:p>
         </p:txBody>
@@ -20788,9 +20788,9 @@
           <a:bodyPr/>
           <a:lstStyle/>
           <a:p>
-            <a:fld id="{4E16C01C-A0A6-F64E-A251-B85C959D8893}" type="datetime1">
+            <a:fld id="{D9B17EDE-EF0E-F449-AB34-364C286B9372}" type="datetime1">
               <a:rPr lang="en-US" smtClean="0"/>
-              <a:t>10/27/22</a:t>
+              <a:t>5/29/23</a:t>
             </a:fld>
             <a:endParaRPr lang="en-US"/>
           </a:p>
@@ -20821,7 +20821,7 @@
           <a:p>
             <a:r>
               <a:rPr lang="en-US"/>
-              <a:t>© 2022, FLL Tutorials</a:t>
+              <a:t>© 2023, FLLTutorials.com. Last edit 5/29/2023</a:t>
             </a:r>
           </a:p>
         </p:txBody>
@@ -21193,9 +21193,9 @@
             </a:lvl1pPr>
           </a:lstStyle>
           <a:p>
-            <a:fld id="{7F362BA3-C371-E942-A711-80AEDF0B62ED}" type="datetime1">
+            <a:fld id="{BB9DDF0D-5BC9-6344-B498-3FD4DB8E5378}" type="datetime1">
               <a:rPr lang="en-US" smtClean="0"/>
-              <a:t>10/27/22</a:t>
+              <a:t>5/29/23</a:t>
             </a:fld>
             <a:endParaRPr lang="en-US"/>
           </a:p>
@@ -21237,7 +21237,7 @@
           <a:p>
             <a:r>
               <a:rPr lang="en-US"/>
-              <a:t>© 2022, FLL Tutorials</a:t>
+              <a:t>© 2023, FLLTutorials.com. Last edit 5/29/2023</a:t>
             </a:r>
           </a:p>
         </p:txBody>
@@ -21509,9 +21509,9 @@
           <a:bodyPr/>
           <a:lstStyle/>
           <a:p>
-            <a:fld id="{2616408F-5F86-CA48-BCF4-4E06D9867AB5}" type="datetime1">
+            <a:fld id="{940B64DB-6148-7F4A-9CEF-9109BB8692D0}" type="datetime1">
               <a:rPr lang="en-US" smtClean="0"/>
-              <a:t>10/27/22</a:t>
+              <a:t>5/29/23</a:t>
             </a:fld>
             <a:endParaRPr lang="en-US"/>
           </a:p>
@@ -21542,7 +21542,7 @@
           <a:p>
             <a:r>
               <a:rPr lang="en-US"/>
-              <a:t>© 2022, FLL Tutorials</a:t>
+              <a:t>© 2023, FLLTutorials.com. Last edit 5/29/2023</a:t>
             </a:r>
           </a:p>
         </p:txBody>
@@ -21761,9 +21761,9 @@
           <a:bodyPr/>
           <a:lstStyle/>
           <a:p>
-            <a:fld id="{7B1207FB-EC3B-A646-8CD2-6AE71DC95F35}" type="datetime1">
+            <a:fld id="{054A51BC-74DE-3B4A-B729-F63C9D0FA836}" type="datetime1">
               <a:rPr lang="en-US" smtClean="0"/>
-              <a:t>10/27/22</a:t>
+              <a:t>5/29/23</a:t>
             </a:fld>
             <a:endParaRPr lang="en-US"/>
           </a:p>
@@ -21794,7 +21794,7 @@
           <a:p>
             <a:r>
               <a:rPr lang="en-US"/>
-              <a:t>© 2022, FLL Tutorials</a:t>
+              <a:t>© 2023, FLLTutorials.com. Last edit 5/29/2023</a:t>
             </a:r>
           </a:p>
         </p:txBody>
@@ -22018,9 +22018,9 @@
             </a:lvl1pPr>
           </a:lstStyle>
           <a:p>
-            <a:fld id="{76493140-1466-2742-A5C6-0665809857B6}" type="datetime1">
+            <a:fld id="{8ECB4F3D-4341-F943-A06D-2089DBE312D0}" type="datetime1">
               <a:rPr lang="en-US" smtClean="0"/>
-              <a:t>10/27/22</a:t>
+              <a:t>5/29/23</a:t>
             </a:fld>
             <a:endParaRPr lang="en-US"/>
           </a:p>
@@ -22051,7 +22051,7 @@
           <a:p>
             <a:r>
               <a:rPr lang="en-US"/>
-              <a:t>© 2022, FLL Tutorials</a:t>
+              <a:t>© 2023, FLLTutorials.com. Last edit 5/29/2023</a:t>
             </a:r>
           </a:p>
         </p:txBody>
@@ -22295,9 +22295,9 @@
           <a:bodyPr/>
           <a:lstStyle/>
           <a:p>
-            <a:fld id="{B1DBB2F3-5B6C-9947-BF8F-D62D9DBB9A47}" type="datetime1">
+            <a:fld id="{D433D9FB-59C0-7344-BAA5-057469766EE9}" type="datetime1">
               <a:rPr lang="en-US" smtClean="0"/>
-              <a:t>10/27/22</a:t>
+              <a:t>5/29/23</a:t>
             </a:fld>
             <a:endParaRPr lang="en-US"/>
           </a:p>
@@ -22320,7 +22320,7 @@
           <a:p>
             <a:r>
               <a:rPr lang="en-US"/>
-              <a:t>© 2022, FLL Tutorials</a:t>
+              <a:t>© 2023, FLLTutorials.com. Last edit 5/29/2023</a:t>
             </a:r>
           </a:p>
         </p:txBody>
@@ -22595,9 +22595,9 @@
           <a:bodyPr/>
           <a:lstStyle/>
           <a:p>
-            <a:fld id="{C6225A75-5CF4-CD46-B36F-345B5F2C0B90}" type="datetime1">
+            <a:fld id="{7A2C5A65-BE0B-644F-8D07-BCDA36582D2C}" type="datetime1">
               <a:rPr lang="en-US" smtClean="0"/>
-              <a:t>10/27/22</a:t>
+              <a:t>5/29/23</a:t>
             </a:fld>
             <a:endParaRPr lang="en-US"/>
           </a:p>
@@ -22620,7 +22620,7 @@
           <a:p>
             <a:r>
               <a:rPr lang="en-US"/>
-              <a:t>© 2022, FLL Tutorials</a:t>
+              <a:t>© 2023, FLLTutorials.com. Last edit 5/29/2023</a:t>
             </a:r>
           </a:p>
         </p:txBody>
@@ -22896,9 +22896,9 @@
             </a:lvl1pPr>
           </a:lstStyle>
           <a:p>
-            <a:fld id="{EE9747C4-56D2-BE40-8A40-ED3961A1AE28}" type="datetime1">
+            <a:fld id="{2BF4F569-0FEC-1D4A-91E2-DC24847EA8FD}" type="datetime1">
               <a:rPr lang="en-US" smtClean="0"/>
-              <a:t>10/27/22</a:t>
+              <a:t>5/29/23</a:t>
             </a:fld>
             <a:endParaRPr lang="en-US"/>
           </a:p>
@@ -22937,7 +22937,7 @@
           <a:p>
             <a:r>
               <a:rPr lang="en-US"/>
-              <a:t>© 2022, FLL Tutorials</a:t>
+              <a:t>© 2023, FLLTutorials.com. Last edit 5/29/2023</a:t>
             </a:r>
           </a:p>
         </p:txBody>
@@ -23848,9 +23848,9 @@
             </a:lvl1pPr>
           </a:lstStyle>
           <a:p>
-            <a:fld id="{3774E29B-795D-4943-92CF-9D9BD10B7EEF}" type="datetime1">
+            <a:fld id="{39D8BF55-FE2A-ED42-BA46-DBB592E170F8}" type="datetime1">
               <a:rPr lang="en-US" smtClean="0"/>
-              <a:t>10/27/22</a:t>
+              <a:t>5/29/23</a:t>
             </a:fld>
             <a:endParaRPr lang="en-US"/>
           </a:p>
@@ -23889,7 +23889,7 @@
           <a:p>
             <a:r>
               <a:rPr lang="en-US"/>
-              <a:t>© 2022, FLL Tutorials</a:t>
+              <a:t>© 2023, FLLTutorials.com. Last edit 5/29/2023</a:t>
             </a:r>
           </a:p>
         </p:txBody>
@@ -24906,9 +24906,9 @@
             </a:lvl1pPr>
           </a:lstStyle>
           <a:p>
-            <a:fld id="{3E1EA950-5672-4E40-AD7F-C8F15A956138}" type="datetime1">
+            <a:fld id="{EFD3E524-DAF7-0243-B802-62AFCB626F71}" type="datetime1">
               <a:rPr lang="en-US" smtClean="0"/>
-              <a:t>10/27/22</a:t>
+              <a:t>5/29/23</a:t>
             </a:fld>
             <a:endParaRPr lang="en-US"/>
           </a:p>
@@ -24949,7 +24949,7 @@
           <a:p>
             <a:r>
               <a:rPr lang="en-US"/>
-              <a:t>© 2022, FLL Tutorials</a:t>
+              <a:t>© 2023, FLLTutorials.com. Last edit 5/29/2023</a:t>
             </a:r>
           </a:p>
         </p:txBody>
@@ -25448,9 +25448,9 @@
             </a:lvl1pPr>
           </a:lstStyle>
           <a:p>
-            <a:fld id="{E0391A29-BC03-2B45-9FD7-FF0211293684}" type="datetime1">
+            <a:fld id="{8A95F0BC-9AF3-9040-B300-FACD215CA09E}" type="datetime1">
               <a:rPr lang="en-US" smtClean="0"/>
-              <a:t>10/27/22</a:t>
+              <a:t>5/29/23</a:t>
             </a:fld>
             <a:endParaRPr lang="en-US"/>
           </a:p>
@@ -25489,7 +25489,7 @@
           <a:p>
             <a:r>
               <a:rPr lang="en-US"/>
-              <a:t>© 2022, FLL Tutorials</a:t>
+              <a:t>© 2023, FLLTutorials.com. Last edit 5/29/2023</a:t>
             </a:r>
           </a:p>
         </p:txBody>
@@ -26817,9 +26817,9 @@
             </a:lvl1pPr>
           </a:lstStyle>
           <a:p>
-            <a:fld id="{795F641E-2E6E-4D49-98BF-37DD42618935}" type="datetime1">
+            <a:fld id="{59A955D4-FE5A-B345-8743-554666947631}" type="datetime1">
               <a:rPr lang="en-US" smtClean="0"/>
-              <a:t>10/27/22</a:t>
+              <a:t>5/29/23</a:t>
             </a:fld>
             <a:endParaRPr lang="en-US"/>
           </a:p>
@@ -26858,7 +26858,7 @@
           <a:p>
             <a:r>
               <a:rPr lang="en-US"/>
-              <a:t>© 2022, FLL Tutorials</a:t>
+              <a:t>© 2023, FLLTutorials.com. Last edit 5/29/2023</a:t>
             </a:r>
           </a:p>
         </p:txBody>
@@ -27895,9 +27895,9 @@
             </a:lvl1pPr>
           </a:lstStyle>
           <a:p>
-            <a:fld id="{335B3D45-14BE-4748-A86B-7F90549D42FD}" type="datetime1">
+            <a:fld id="{C1B6C481-DD57-3547-8729-A06A40CBA061}" type="datetime1">
               <a:rPr lang="en-US" smtClean="0"/>
-              <a:t>10/27/22</a:t>
+              <a:t>5/29/23</a:t>
             </a:fld>
             <a:endParaRPr lang="en-US"/>
           </a:p>
@@ -27938,7 +27938,7 @@
           <a:p>
             <a:r>
               <a:rPr lang="en-US"/>
-              <a:t>© 2022, FLL Tutorials</a:t>
+              <a:t>© 2023, FLLTutorials.com. Last edit 5/29/2023</a:t>
             </a:r>
           </a:p>
         </p:txBody>
@@ -28557,9 +28557,9 @@
             </a:lvl1pPr>
           </a:lstStyle>
           <a:p>
-            <a:fld id="{DBC4F5C0-BEC0-B34F-B072-A21A7E4C7084}" type="datetime1">
+            <a:fld id="{7402CCD0-059C-DF49-8E2D-FA82E4CF4121}" type="datetime1">
               <a:rPr lang="en-US" smtClean="0"/>
-              <a:t>10/27/22</a:t>
+              <a:t>5/29/23</a:t>
             </a:fld>
             <a:endParaRPr lang="en-US"/>
           </a:p>
@@ -28607,7 +28607,7 @@
           <a:p>
             <a:r>
               <a:rPr lang="en-US"/>
-              <a:t>© 2022, FLL Tutorials</a:t>
+              <a:t>© 2023, FLLTutorials.com. Last edit 5/29/2023</a:t>
             </a:r>
           </a:p>
         </p:txBody>
@@ -29205,7 +29205,15 @@
             </a:pPr>
             <a:r>
               <a:rPr lang="en-US" sz="2000" dirty="0"/>
-              <a:t>No matter what season of FIRST LEGO League you are competing in, you will find that the challenge mat has lines</a:t>
+              <a:t>No matter what season of </a:t>
+            </a:r>
+            <a:r>
+              <a:rPr lang="en-US" sz="2000" i="1" dirty="0"/>
+              <a:t>FIRST</a:t>
+            </a:r>
+            <a:r>
+              <a:rPr lang="en-US" sz="2000" dirty="0"/>
+              <a:t> LEGO League you are competing in, you will find that the challenge mat has lines</a:t>
             </a:r>
           </a:p>
           <a:p>
@@ -29235,7 +29243,15 @@
             </a:pPr>
             <a:r>
               <a:rPr lang="en-US" sz="2000" dirty="0"/>
-              <a:t>Learning to line follow is crucial in FIRST LEGO League</a:t>
+              <a:t>Learning to line follow is crucial in </a:t>
+            </a:r>
+            <a:r>
+              <a:rPr lang="en-US" sz="2000" i="1" dirty="0"/>
+              <a:t>FIRST</a:t>
+            </a:r>
+            <a:r>
+              <a:rPr lang="en-US" sz="2000" dirty="0"/>
+              <a:t> LEGO League</a:t>
             </a:r>
             <a:endParaRPr lang="en-US" sz="1600" dirty="0"/>
           </a:p>
@@ -29265,7 +29281,7 @@
           <a:p>
             <a:r>
               <a:rPr lang="en-US"/>
-              <a:t>© 2022, FLL Tutorials</a:t>
+              <a:t>© 2023, FLLTutorials.com. Last edit 5/29/2023</a:t>
             </a:r>
             <a:endParaRPr lang="en-US" dirty="0"/>
           </a:p>
@@ -29299,7 +29315,7 @@
         </p:blipFill>
         <p:spPr>
           <a:xfrm>
-            <a:off x="5855855" y="3711098"/>
+            <a:off x="5855854" y="3196255"/>
             <a:ext cx="2715089" cy="1316819"/>
           </a:xfrm>
           <a:prstGeom prst="rect">
@@ -29334,44 +29350,8 @@
         </p:blipFill>
         <p:spPr>
           <a:xfrm>
-            <a:off x="5855855" y="2337352"/>
+            <a:off x="5855854" y="1681467"/>
             <a:ext cx="2715089" cy="1321869"/>
-          </a:xfrm>
-          <a:prstGeom prst="rect">
-            <a:avLst/>
-          </a:prstGeom>
-        </p:spPr>
-      </p:pic>
-      <p:pic>
-        <p:nvPicPr>
-          <p:cNvPr id="5" name="Picture 4">
-            <a:extLst>
-              <a:ext uri="{FF2B5EF4-FFF2-40B4-BE49-F238E27FC236}">
-                <a16:creationId xmlns:a16="http://schemas.microsoft.com/office/drawing/2014/main" id="{5B2B0FB2-CF1E-334D-B164-251EBC771708}"/>
-              </a:ext>
-            </a:extLst>
-          </p:cNvPr>
-          <p:cNvPicPr>
-            <a:picLocks noChangeAspect="1"/>
-          </p:cNvPicPr>
-          <p:nvPr/>
-        </p:nvPicPr>
-        <p:blipFill>
-          <a:blip r:embed="rId4" cstate="print">
-            <a:extLst>
-              <a:ext uri="{28A0092B-C50C-407E-A947-70E740481C1C}">
-                <a14:useLocalDpi xmlns:a14="http://schemas.microsoft.com/office/drawing/2010/main"/>
-              </a:ext>
-            </a:extLst>
-          </a:blip>
-          <a:stretch>
-            <a:fillRect/>
-          </a:stretch>
-        </p:blipFill>
-        <p:spPr>
-          <a:xfrm>
-            <a:off x="3099507" y="4643868"/>
-            <a:ext cx="2433075" cy="1494060"/>
           </a:xfrm>
           <a:prstGeom prst="rect">
             <a:avLst/>
@@ -29393,14 +29373,14 @@
           <p:nvPr/>
         </p:nvPicPr>
         <p:blipFill>
-          <a:blip r:embed="rId5"/>
+          <a:blip r:embed="rId4"/>
           <a:stretch>
             <a:fillRect/>
           </a:stretch>
         </p:blipFill>
         <p:spPr>
           <a:xfrm>
-            <a:off x="5855854" y="5110411"/>
+            <a:off x="5855854" y="4730405"/>
             <a:ext cx="2715089" cy="1298885"/>
           </a:xfrm>
           <a:prstGeom prst="rect">
@@ -29423,7 +29403,7 @@
           <p:nvPr/>
         </p:nvPicPr>
         <p:blipFill>
-          <a:blip r:embed="rId6">
+          <a:blip r:embed="rId5">
             <a:extLst>
               <a:ext uri="{28A0092B-C50C-407E-A947-70E740481C1C}">
                 <a14:useLocalDpi xmlns:a14="http://schemas.microsoft.com/office/drawing/2010/main" val="0"/>
@@ -29436,8 +29416,43 @@
         </p:blipFill>
         <p:spPr>
           <a:xfrm>
-            <a:off x="296883" y="4813709"/>
+            <a:off x="2957653" y="4730405"/>
             <a:ext cx="2736565" cy="1324219"/>
+          </a:xfrm>
+          <a:prstGeom prst="rect">
+            <a:avLst/>
+          </a:prstGeom>
+        </p:spPr>
+      </p:pic>
+      <p:pic>
+        <p:nvPicPr>
+          <p:cNvPr id="11" name="Picture 10" descr="A close up of a board&#10;&#10;Description automatically generated with low confidence">
+            <a:extLst>
+              <a:ext uri="{FF2B5EF4-FFF2-40B4-BE49-F238E27FC236}">
+                <a16:creationId xmlns:a16="http://schemas.microsoft.com/office/drawing/2014/main" id="{1AF45BFA-629B-B699-0A43-A5BCA461117E}"/>
+              </a:ext>
+            </a:extLst>
+          </p:cNvPr>
+          <p:cNvPicPr>
+            <a:picLocks noChangeAspect="1"/>
+          </p:cNvPicPr>
+          <p:nvPr/>
+        </p:nvPicPr>
+        <p:blipFill rotWithShape="1">
+          <a:blip r:embed="rId6">
+            <a:extLst>
+              <a:ext uri="{28A0092B-C50C-407E-A947-70E740481C1C}">
+                <a14:useLocalDpi xmlns:a14="http://schemas.microsoft.com/office/drawing/2010/main" val="0"/>
+              </a:ext>
+            </a:extLst>
+          </a:blip>
+          <a:srcRect l="7614" r="7383"/>
+          <a:stretch/>
+        </p:blipFill>
+        <p:spPr>
+          <a:xfrm>
+            <a:off x="446076" y="4730405"/>
+            <a:ext cx="2433751" cy="1324219"/>
           </a:xfrm>
           <a:prstGeom prst="rect">
             <a:avLst/>
@@ -29580,7 +29595,7 @@
           <a:p>
             <a:r>
               <a:rPr lang="en-US"/>
-              <a:t>© 2022, FLL Tutorials</a:t>
+              <a:t>© 2023, FLLTutorials.com. Last edit 5/29/2023</a:t>
             </a:r>
           </a:p>
         </p:txBody>
@@ -29743,7 +29758,7 @@
           <a:p>
             <a:r>
               <a:rPr lang="en-US"/>
-              <a:t>© 2022, FLL Tutorials</a:t>
+              <a:t>© 2023, FLLTutorials.com. Last edit 5/29/2023</a:t>
             </a:r>
           </a:p>
         </p:txBody>
@@ -30104,7 +30119,7 @@
           <a:p>
             <a:r>
               <a:rPr lang="en-US"/>
-              <a:t>© 2022, FLL Tutorials</a:t>
+              <a:t>© 2023, FLLTutorials.com. Last edit 5/29/2023</a:t>
             </a:r>
           </a:p>
         </p:txBody>
@@ -30369,7 +30384,7 @@
           <a:p>
             <a:r>
               <a:rPr lang="en-US"/>
-              <a:t>© 2022, FLL Tutorials</a:t>
+              <a:t>© 2023, FLLTutorials.com. Last edit 5/29/2023</a:t>
             </a:r>
           </a:p>
         </p:txBody>
@@ -30659,7 +30674,7 @@
           <a:p>
             <a:r>
               <a:rPr lang="en-US"/>
-              <a:t>© 2022, FLL Tutorials</a:t>
+              <a:t>© 2023, FLLTutorials.com. Last edit 5/29/2023</a:t>
             </a:r>
           </a:p>
         </p:txBody>
@@ -30772,23 +30787,26 @@
             </a:r>
             <a:r>
               <a:rPr lang="en-US" sz="2800" dirty="0"/>
-              <a:t> and </a:t>
+              <a:t>, </a:t>
             </a:r>
             <a:r>
               <a:rPr lang="en-US" sz="2800" dirty="0">
                 <a:hlinkClick r:id="rId4"/>
               </a:rPr>
+              <a:t>www.primelessons.org</a:t>
+            </a:r>
+            <a:r>
+              <a:rPr lang="en-US" sz="2800" dirty="0"/>
+              <a:t> and </a:t>
+            </a:r>
+            <a:r>
+              <a:rPr lang="en-US" sz="2800" dirty="0">
+                <a:hlinkClick r:id="rId5"/>
+              </a:rPr>
               <a:t>www.flltutorials.com</a:t>
             </a:r>
             <a:endParaRPr lang="en-US" sz="2800" dirty="0"/>
           </a:p>
-          <a:p>
-            <a:pPr marL="342900" indent="-342900">
-              <a:buFont typeface="Arial" charset="0"/>
-              <a:buChar char="•"/>
-            </a:pPr>
-            <a:endParaRPr lang="en-US" sz="2800" dirty="0"/>
-          </a:p>
         </p:txBody>
       </p:sp>
       <p:sp>
@@ -30808,7 +30826,7 @@
           <a:p>
             <a:r>
               <a:rPr lang="en-US"/>
-              <a:t>© 2022, FLL Tutorials</a:t>
+              <a:t>© 2023, FLLTutorials.com. Last edit 5/29/2023</a:t>
             </a:r>
           </a:p>
         </p:txBody>
@@ -30838,7 +30856,7 @@
           <a:effectLst/>
           <a:extLst>
             <a:ext uri="{91240B29-F687-4f45-9708-019B960494DF}">
-              <a14:hiddenLine xmlns:a14="http://schemas.microsoft.com/office/drawing/2010/main" xmlns="" w="9525">
+              <a14:hiddenLine xmlns="" xmlns:a14="http://schemas.microsoft.com/office/drawing/2010/main" w="9525">
                 <a:solidFill>
                   <a:schemeClr val="tx1"/>
                 </a:solidFill>
@@ -30848,7 +30866,7 @@
               </a14:hiddenLine>
             </a:ext>
             <a:ext uri="{AF507438-7753-43e0-B8FC-AC1667EBCBE1}">
-              <a14:hiddenEffects xmlns:a14="http://schemas.microsoft.com/office/drawing/2010/main" xmlns="">
+              <a14:hiddenEffects xmlns="" xmlns:a14="http://schemas.microsoft.com/office/drawing/2010/main">
                 <a:effectLst>
                   <a:outerShdw dist="35921" dir="2700000" algn="ctr" rotWithShape="0">
                     <a:schemeClr val="bg2"/>
@@ -31057,7 +31075,7 @@
                 </a:solidFill>
                 <a:effectLst/>
                 <a:latin typeface="Helvetica Neue"/>
-                <a:hlinkClick r:id="rId5"/>
+                <a:hlinkClick r:id="rId6"/>
               </a:rPr>
               <a:t>Creative Commons Attribution-</a:t>
             </a:r>
@@ -31071,7 +31089,7 @@
                 </a:solidFill>
                 <a:effectLst/>
                 <a:latin typeface="Helvetica Neue"/>
-                <a:hlinkClick r:id="rId5"/>
+                <a:hlinkClick r:id="rId6"/>
               </a:rPr>
               <a:t>NonCommercial</a:t>
             </a:r>
@@ -31085,7 +31103,7 @@
                 </a:solidFill>
                 <a:effectLst/>
                 <a:latin typeface="Helvetica Neue"/>
-                <a:hlinkClick r:id="rId5"/>
+                <a:hlinkClick r:id="rId6"/>
               </a:rPr>
               <a:t>-</a:t>
             </a:r>
@@ -31099,7 +31117,7 @@
                 </a:solidFill>
                 <a:effectLst/>
                 <a:latin typeface="Helvetica Neue"/>
-                <a:hlinkClick r:id="rId5"/>
+                <a:hlinkClick r:id="rId6"/>
               </a:rPr>
               <a:t>ShareAlike</a:t>
             </a:r>
@@ -31113,7 +31131,7 @@
                 </a:solidFill>
                 <a:effectLst/>
                 <a:latin typeface="Helvetica Neue"/>
-                <a:hlinkClick r:id="rId5"/>
+                <a:hlinkClick r:id="rId6"/>
               </a:rPr>
               <a:t> 4.0 International License</a:t>
             </a:r>
@@ -31158,7 +31176,7 @@
       <p:pic>
         <p:nvPicPr>
           <p:cNvPr id="6" name="Picture 2" descr="Creative Commons License">
-            <a:hlinkClick r:id="rId5"/>
+            <a:hlinkClick r:id="rId6"/>
           </p:cNvPr>
           <p:cNvPicPr>
             <a:picLocks noChangeAspect="1" noChangeArrowheads="1"/>
@@ -31166,7 +31184,7 @@
           <p:nvPr/>
         </p:nvPicPr>
         <p:blipFill>
-          <a:blip r:embed="rId6">
+          <a:blip r:embed="rId7">
             <a:extLst>
               <a:ext uri="{28A0092B-C50C-407E-A947-70E740481C1C}">
                 <a14:useLocalDpi xmlns:a14="http://schemas.microsoft.com/office/drawing/2010/main"/>
@@ -31189,7 +31207,7 @@
           <a:noFill/>
           <a:extLst>
             <a:ext uri="{909E8E84-426E-40dd-AFC4-6F175D3DCCD1}">
-              <a14:hiddenFill xmlns:a14="http://schemas.microsoft.com/office/drawing/2010/main" xmlns="">
+              <a14:hiddenFill xmlns="" xmlns:a14="http://schemas.microsoft.com/office/drawing/2010/main">
                 <a:solidFill>
                   <a:srgbClr val="FFFFFF"/>
                 </a:solidFill>
